--- a/Documentation/ePark.pptx
+++ b/Documentation/ePark.pptx
@@ -5954,7 +5954,7 @@
           <a:bodyPr/>
           <a:lstStyle/>
           <a:p>
-            <a:endParaRPr lang="en-GB"/>
+            <a:endParaRPr lang="en-GB" dirty="0"/>
           </a:p>
         </p:txBody>
       </p:sp>
@@ -6462,6 +6462,14 @@
           <a:bodyPr/>
           <a:lstStyle/>
           <a:p>
+            <a:r>
+              <a:rPr lang="en-GB" dirty="0" smtClean="0"/>
+              <a:t>Blog </a:t>
+            </a:r>
+            <a:r>
+              <a:rPr lang="en-GB" smtClean="0"/>
+              <a:t>address – http://epark.info</a:t>
+            </a:r>
             <a:endParaRPr lang="en-GB"/>
           </a:p>
         </p:txBody>
